--- a/EMPLOYEE DATA2.pptx
+++ b/EMPLOYEE DATA2.pptx
@@ -6596,8 +6596,12 @@
               <a:t>REGISTER NO</a:t>
             </a:r>
             <a:r>
-              <a:rPr lang="en-US" sz="2400" dirty="0" smtClean="0"/>
-              <a:t>: 312214525</a:t>
+              <a:rPr lang="en-US" sz="2400" smtClean="0"/>
+              <a:t>: </a:t>
+            </a:r>
+            <a:r>
+              <a:rPr lang="en-US" sz="2400" smtClean="0"/>
+              <a:t>312214525(80B2F9C1296C9EDB1C547A282A881FA6)</a:t>
             </a:r>
             <a:endParaRPr lang="en-US" sz="2400" dirty="0"/>
           </a:p>
